--- a/trunk/docu/CWArch/CoursewarePlayer.pptx
+++ b/trunk/docu/CWArch/CoursewarePlayer.pptx
@@ -5,10 +5,11 @@
     <p:sldMasterId id="2147483648" r:id="rId1"/>
   </p:sldMasterIdLst>
   <p:notesMasterIdLst>
-    <p:notesMasterId r:id="rId3"/>
+    <p:notesMasterId r:id="rId4"/>
   </p:notesMasterIdLst>
   <p:sldIdLst>
     <p:sldId id="256" r:id="rId2"/>
+    <p:sldId id="257" r:id="rId3"/>
   </p:sldIdLst>
   <p:sldSz cx="9144000" cy="6858000" type="screen4x3"/>
   <p:notesSz cx="6858000" cy="9144000"/>
@@ -193,7 +194,7 @@
             <a:fld id="{1278D9D4-61FA-4A6D-A402-1A9E2F7FA128}" type="datetimeFigureOut">
               <a:rPr lang="zh-CN" altLang="en-US" smtClean="0"/>
               <a:pPr/>
-              <a:t>2008-12-9</a:t>
+              <a:t>2008-12-10</a:t>
             </a:fld>
             <a:endParaRPr lang="zh-CN" altLang="en-US"/>
           </a:p>
@@ -563,15 +564,8 @@
               <a:t>Flex</a:t>
             </a:r>
             <a:r>
-              <a:rPr lang="zh-CN" altLang="en-US" dirty="0" smtClean="0"/>
+              <a:rPr lang="zh-CN" altLang="en-US" smtClean="0"/>
               <a:t>。</a:t>
-            </a:r>
-            <a:endParaRPr lang="en-US" altLang="zh-CN" dirty="0" smtClean="0"/>
-          </a:p>
-          <a:p>
-            <a:r>
-              <a:rPr lang="zh-CN" altLang="en-US" dirty="0" smtClean="0"/>
-              <a:t>支出：</a:t>
             </a:r>
             <a:endParaRPr lang="en-US" altLang="zh-CN" dirty="0" smtClean="0"/>
           </a:p>
@@ -599,11 +593,31 @@
               <a:t>预计</a:t>
             </a:r>
             <a:r>
-              <a:rPr lang="en-US" altLang="zh-CN" smtClean="0"/>
+              <a:rPr lang="en-US" altLang="zh-CN" dirty="0" smtClean="0"/>
               <a:t>=》1.5*(2.5+5+1)=12.75k</a:t>
             </a:r>
           </a:p>
           <a:p>
+            <a:r>
+              <a:rPr lang="zh-CN" altLang="en-US" dirty="0" smtClean="0"/>
+              <a:t>用</a:t>
+            </a:r>
+            <a:r>
+              <a:rPr lang="en-US" altLang="zh-CN" dirty="0" err="1" smtClean="0"/>
+              <a:t>Axure</a:t>
+            </a:r>
+            <a:r>
+              <a:rPr lang="zh-CN" altLang="en-US" dirty="0" smtClean="0"/>
+              <a:t> </a:t>
+            </a:r>
+            <a:r>
+              <a:rPr lang="en-US" altLang="zh-CN" dirty="0" smtClean="0"/>
+              <a:t>RP</a:t>
+            </a:r>
+            <a:r>
+              <a:rPr lang="zh-CN" altLang="en-US" dirty="0" smtClean="0"/>
+              <a:t>设计界面</a:t>
+            </a:r>
             <a:endParaRPr lang="en-US" altLang="zh-CN" dirty="0" smtClean="0"/>
           </a:p>
         </p:txBody>
@@ -822,7 +836,7 @@
             <a:fld id="{530820CF-B880-4189-942D-D702A7CBA730}" type="datetimeFigureOut">
               <a:rPr lang="zh-CN" altLang="en-US" smtClean="0"/>
               <a:pPr/>
-              <a:t>2008-12-9</a:t>
+              <a:t>2008-12-10</a:t>
             </a:fld>
             <a:endParaRPr lang="zh-CN" altLang="en-US"/>
           </a:p>
@@ -989,7 +1003,7 @@
             <a:fld id="{530820CF-B880-4189-942D-D702A7CBA730}" type="datetimeFigureOut">
               <a:rPr lang="zh-CN" altLang="en-US" smtClean="0"/>
               <a:pPr/>
-              <a:t>2008-12-9</a:t>
+              <a:t>2008-12-10</a:t>
             </a:fld>
             <a:endParaRPr lang="zh-CN" altLang="en-US"/>
           </a:p>
@@ -1166,7 +1180,7 @@
             <a:fld id="{530820CF-B880-4189-942D-D702A7CBA730}" type="datetimeFigureOut">
               <a:rPr lang="zh-CN" altLang="en-US" smtClean="0"/>
               <a:pPr/>
-              <a:t>2008-12-9</a:t>
+              <a:t>2008-12-10</a:t>
             </a:fld>
             <a:endParaRPr lang="zh-CN" altLang="en-US"/>
           </a:p>
@@ -1333,7 +1347,7 @@
             <a:fld id="{530820CF-B880-4189-942D-D702A7CBA730}" type="datetimeFigureOut">
               <a:rPr lang="zh-CN" altLang="en-US" smtClean="0"/>
               <a:pPr/>
-              <a:t>2008-12-9</a:t>
+              <a:t>2008-12-10</a:t>
             </a:fld>
             <a:endParaRPr lang="zh-CN" altLang="en-US"/>
           </a:p>
@@ -1576,7 +1590,7 @@
             <a:fld id="{530820CF-B880-4189-942D-D702A7CBA730}" type="datetimeFigureOut">
               <a:rPr lang="zh-CN" altLang="en-US" smtClean="0"/>
               <a:pPr/>
-              <a:t>2008-12-9</a:t>
+              <a:t>2008-12-10</a:t>
             </a:fld>
             <a:endParaRPr lang="zh-CN" altLang="en-US"/>
           </a:p>
@@ -1861,7 +1875,7 @@
             <a:fld id="{530820CF-B880-4189-942D-D702A7CBA730}" type="datetimeFigureOut">
               <a:rPr lang="zh-CN" altLang="en-US" smtClean="0"/>
               <a:pPr/>
-              <a:t>2008-12-9</a:t>
+              <a:t>2008-12-10</a:t>
             </a:fld>
             <a:endParaRPr lang="zh-CN" altLang="en-US"/>
           </a:p>
@@ -2280,7 +2294,7 @@
             <a:fld id="{530820CF-B880-4189-942D-D702A7CBA730}" type="datetimeFigureOut">
               <a:rPr lang="zh-CN" altLang="en-US" smtClean="0"/>
               <a:pPr/>
-              <a:t>2008-12-9</a:t>
+              <a:t>2008-12-10</a:t>
             </a:fld>
             <a:endParaRPr lang="zh-CN" altLang="en-US"/>
           </a:p>
@@ -2395,7 +2409,7 @@
             <a:fld id="{530820CF-B880-4189-942D-D702A7CBA730}" type="datetimeFigureOut">
               <a:rPr lang="zh-CN" altLang="en-US" smtClean="0"/>
               <a:pPr/>
-              <a:t>2008-12-9</a:t>
+              <a:t>2008-12-10</a:t>
             </a:fld>
             <a:endParaRPr lang="zh-CN" altLang="en-US"/>
           </a:p>
@@ -2487,7 +2501,7 @@
             <a:fld id="{530820CF-B880-4189-942D-D702A7CBA730}" type="datetimeFigureOut">
               <a:rPr lang="zh-CN" altLang="en-US" smtClean="0"/>
               <a:pPr/>
-              <a:t>2008-12-9</a:t>
+              <a:t>2008-12-10</a:t>
             </a:fld>
             <a:endParaRPr lang="zh-CN" altLang="en-US"/>
           </a:p>
@@ -2761,7 +2775,7 @@
             <a:fld id="{530820CF-B880-4189-942D-D702A7CBA730}" type="datetimeFigureOut">
               <a:rPr lang="zh-CN" altLang="en-US" smtClean="0"/>
               <a:pPr/>
-              <a:t>2008-12-9</a:t>
+              <a:t>2008-12-10</a:t>
             </a:fld>
             <a:endParaRPr lang="zh-CN" altLang="en-US"/>
           </a:p>
@@ -3011,7 +3025,7 @@
             <a:fld id="{530820CF-B880-4189-942D-D702A7CBA730}" type="datetimeFigureOut">
               <a:rPr lang="zh-CN" altLang="en-US" smtClean="0"/>
               <a:pPr/>
-              <a:t>2008-12-9</a:t>
+              <a:t>2008-12-10</a:t>
             </a:fld>
             <a:endParaRPr lang="zh-CN" altLang="en-US"/>
           </a:p>
@@ -3221,7 +3235,7 @@
             <a:fld id="{530820CF-B880-4189-942D-D702A7CBA730}" type="datetimeFigureOut">
               <a:rPr lang="zh-CN" altLang="en-US" smtClean="0"/>
               <a:pPr/>
-              <a:t>2008-12-9</a:t>
+              <a:t>2008-12-10</a:t>
             </a:fld>
             <a:endParaRPr lang="zh-CN" altLang="en-US"/>
           </a:p>
@@ -4922,7 +4936,7 @@
         </p:nvSpPr>
         <p:spPr>
           <a:xfrm>
-            <a:off x="928662" y="6215082"/>
+            <a:off x="928662" y="6500834"/>
             <a:ext cx="7000924" cy="500066"/>
           </a:xfrm>
           <a:prstGeom prst="notchedRightArrow">
@@ -5912,7 +5926,7 @@
         </p:nvSpPr>
         <p:spPr>
           <a:xfrm>
-            <a:off x="-32" y="6334145"/>
+            <a:off x="-32" y="6619897"/>
             <a:ext cx="928662" cy="247652"/>
           </a:xfrm>
           <a:prstGeom prst="homePlate">
@@ -6050,7 +6064,7 @@
         </p:nvSpPr>
         <p:spPr>
           <a:xfrm>
-            <a:off x="7572396" y="3714752"/>
+            <a:off x="7572396" y="5500702"/>
             <a:ext cx="1357322" cy="357190"/>
           </a:xfrm>
           <a:prstGeom prst="rect">
@@ -6098,7 +6112,7 @@
         <p:spPr>
           <a:xfrm>
             <a:off x="7929586" y="2964653"/>
-            <a:ext cx="321471" cy="750099"/>
+            <a:ext cx="321471" cy="2536049"/>
           </a:xfrm>
           <a:prstGeom prst="bentConnector2">
             <a:avLst/>
@@ -6127,7 +6141,7 @@
         </p:nvSpPr>
         <p:spPr>
           <a:xfrm>
-            <a:off x="928662" y="5143512"/>
+            <a:off x="928662" y="5000636"/>
             <a:ext cx="4572032" cy="285752"/>
           </a:xfrm>
           <a:prstGeom prst="roundRect">
@@ -6171,7 +6185,7 @@
         </p:nvSpPr>
         <p:spPr>
           <a:xfrm>
-            <a:off x="928662" y="5500702"/>
+            <a:off x="928662" y="5357826"/>
             <a:ext cx="4572032" cy="285752"/>
           </a:xfrm>
           <a:prstGeom prst="roundRect">
@@ -6201,12 +6215,1010 @@
             <a:pPr algn="ctr"/>
             <a:r>
               <a:rPr lang="en-US" altLang="zh-CN" dirty="0" err="1" smtClean="0"/>
-              <a:t>SystemInfo</a:t>
+              <a:t>SystemConfig</a:t>
             </a:r>
             <a:endParaRPr lang="zh-CN" altLang="en-US" dirty="0"/>
           </a:p>
         </p:txBody>
       </p:sp>
+      <p:sp>
+        <p:nvSpPr>
+          <p:cNvPr id="71" name="矩形 70"/>
+          <p:cNvSpPr/>
+          <p:nvPr/>
+        </p:nvSpPr>
+        <p:spPr>
+          <a:xfrm>
+            <a:off x="6929454" y="3214686"/>
+            <a:ext cx="1000132" cy="214314"/>
+          </a:xfrm>
+          <a:prstGeom prst="rect">
+            <a:avLst/>
+          </a:prstGeom>
+        </p:spPr>
+        <p:style>
+          <a:lnRef idx="2">
+            <a:schemeClr val="dk1"/>
+          </a:lnRef>
+          <a:fillRef idx="1">
+            <a:schemeClr val="lt1"/>
+          </a:fillRef>
+          <a:effectRef idx="0">
+            <a:schemeClr val="dk1"/>
+          </a:effectRef>
+          <a:fontRef idx="minor">
+            <a:schemeClr val="dk1"/>
+          </a:fontRef>
+        </p:style>
+        <p:txBody>
+          <a:bodyPr rtlCol="0" anchor="ctr"/>
+          <a:lstStyle/>
+          <a:p>
+            <a:pPr algn="ctr"/>
+            <a:r>
+              <a:rPr lang="en-US" altLang="zh-CN" sz="1100" dirty="0" err="1" smtClean="0"/>
+              <a:t>BookFlip</a:t>
+            </a:r>
+            <a:endParaRPr lang="zh-CN" altLang="en-US" sz="1100" dirty="0"/>
+          </a:p>
+        </p:txBody>
+      </p:sp>
+      <p:sp>
+        <p:nvSpPr>
+          <p:cNvPr id="77" name="圆角矩形 76"/>
+          <p:cNvSpPr/>
+          <p:nvPr/>
+        </p:nvSpPr>
+        <p:spPr>
+          <a:xfrm>
+            <a:off x="928662" y="5715016"/>
+            <a:ext cx="1714512" cy="285752"/>
+          </a:xfrm>
+          <a:prstGeom prst="roundRect">
+            <a:avLst/>
+          </a:prstGeom>
+        </p:spPr>
+        <p:style>
+          <a:lnRef idx="2">
+            <a:schemeClr val="accent1">
+              <a:shade val="50000"/>
+            </a:schemeClr>
+          </a:lnRef>
+          <a:fillRef idx="1">
+            <a:schemeClr val="accent1"/>
+          </a:fillRef>
+          <a:effectRef idx="0">
+            <a:schemeClr val="accent1"/>
+          </a:effectRef>
+          <a:fontRef idx="minor">
+            <a:schemeClr val="lt1"/>
+          </a:fontRef>
+        </p:style>
+        <p:txBody>
+          <a:bodyPr rtlCol="0" anchor="ctr"/>
+          <a:lstStyle/>
+          <a:p>
+            <a:pPr algn="ctr"/>
+            <a:r>
+              <a:rPr lang="en-US" altLang="zh-CN" dirty="0" smtClean="0"/>
+              <a:t>Notebook</a:t>
+            </a:r>
+            <a:endParaRPr lang="zh-CN" altLang="en-US" dirty="0"/>
+          </a:p>
+        </p:txBody>
+      </p:sp>
+      <p:sp>
+        <p:nvSpPr>
+          <p:cNvPr id="78" name="圆角矩形 77"/>
+          <p:cNvSpPr/>
+          <p:nvPr/>
+        </p:nvSpPr>
+        <p:spPr>
+          <a:xfrm>
+            <a:off x="2714612" y="5715016"/>
+            <a:ext cx="1357322" cy="285752"/>
+          </a:xfrm>
+          <a:prstGeom prst="roundRect">
+            <a:avLst/>
+          </a:prstGeom>
+        </p:spPr>
+        <p:style>
+          <a:lnRef idx="2">
+            <a:schemeClr val="accent1">
+              <a:shade val="50000"/>
+            </a:schemeClr>
+          </a:lnRef>
+          <a:fillRef idx="1">
+            <a:schemeClr val="accent1"/>
+          </a:fillRef>
+          <a:effectRef idx="0">
+            <a:schemeClr val="accent1"/>
+          </a:effectRef>
+          <a:fontRef idx="minor">
+            <a:schemeClr val="lt1"/>
+          </a:fontRef>
+        </p:style>
+        <p:txBody>
+          <a:bodyPr rtlCol="0" anchor="ctr"/>
+          <a:lstStyle/>
+          <a:p>
+            <a:pPr algn="ctr"/>
+            <a:r>
+              <a:rPr lang="en-US" altLang="zh-CN" dirty="0" smtClean="0"/>
+              <a:t>Track</a:t>
+            </a:r>
+            <a:endParaRPr lang="zh-CN" altLang="en-US" dirty="0"/>
+          </a:p>
+        </p:txBody>
+      </p:sp>
+      <p:sp>
+        <p:nvSpPr>
+          <p:cNvPr id="79" name="矩形 78"/>
+          <p:cNvSpPr/>
+          <p:nvPr/>
+        </p:nvSpPr>
+        <p:spPr>
+          <a:xfrm>
+            <a:off x="6929454" y="3500438"/>
+            <a:ext cx="1000132" cy="214314"/>
+          </a:xfrm>
+          <a:prstGeom prst="rect">
+            <a:avLst/>
+          </a:prstGeom>
+        </p:spPr>
+        <p:style>
+          <a:lnRef idx="2">
+            <a:schemeClr val="dk1"/>
+          </a:lnRef>
+          <a:fillRef idx="1">
+            <a:schemeClr val="lt1"/>
+          </a:fillRef>
+          <a:effectRef idx="0">
+            <a:schemeClr val="dk1"/>
+          </a:effectRef>
+          <a:fontRef idx="minor">
+            <a:schemeClr val="dk1"/>
+          </a:fontRef>
+        </p:style>
+        <p:txBody>
+          <a:bodyPr rtlCol="0" anchor="ctr"/>
+          <a:lstStyle/>
+          <a:p>
+            <a:pPr algn="ctr"/>
+            <a:r>
+              <a:rPr lang="en-US" altLang="zh-CN" sz="1100" dirty="0" smtClean="0"/>
+              <a:t>Chart</a:t>
+            </a:r>
+            <a:endParaRPr lang="zh-CN" altLang="en-US" sz="1100" dirty="0"/>
+          </a:p>
+        </p:txBody>
+      </p:sp>
+      <p:sp>
+        <p:nvSpPr>
+          <p:cNvPr id="80" name="矩形 79"/>
+          <p:cNvSpPr/>
+          <p:nvPr/>
+        </p:nvSpPr>
+        <p:spPr>
+          <a:xfrm>
+            <a:off x="6929454" y="3714752"/>
+            <a:ext cx="1000132" cy="214314"/>
+          </a:xfrm>
+          <a:prstGeom prst="rect">
+            <a:avLst/>
+          </a:prstGeom>
+        </p:spPr>
+        <p:style>
+          <a:lnRef idx="2">
+            <a:schemeClr val="dk1"/>
+          </a:lnRef>
+          <a:fillRef idx="1">
+            <a:schemeClr val="lt1"/>
+          </a:fillRef>
+          <a:effectRef idx="0">
+            <a:schemeClr val="dk1"/>
+          </a:effectRef>
+          <a:fontRef idx="minor">
+            <a:schemeClr val="dk1"/>
+          </a:fontRef>
+        </p:style>
+        <p:txBody>
+          <a:bodyPr rtlCol="0" anchor="ctr"/>
+          <a:lstStyle/>
+          <a:p>
+            <a:pPr algn="ctr"/>
+            <a:r>
+              <a:rPr lang="en-US" altLang="zh-CN" sz="1100" dirty="0" smtClean="0"/>
+              <a:t>……</a:t>
+            </a:r>
+            <a:endParaRPr lang="zh-CN" altLang="en-US" sz="1100" dirty="0"/>
+          </a:p>
+        </p:txBody>
+      </p:sp>
+      <p:sp>
+        <p:nvSpPr>
+          <p:cNvPr id="82" name="矩形 81"/>
+          <p:cNvSpPr/>
+          <p:nvPr/>
+        </p:nvSpPr>
+        <p:spPr>
+          <a:xfrm>
+            <a:off x="6929454" y="4071942"/>
+            <a:ext cx="1000132" cy="214314"/>
+          </a:xfrm>
+          <a:prstGeom prst="rect">
+            <a:avLst/>
+          </a:prstGeom>
+        </p:spPr>
+        <p:style>
+          <a:lnRef idx="2">
+            <a:schemeClr val="dk1"/>
+          </a:lnRef>
+          <a:fillRef idx="1">
+            <a:schemeClr val="lt1"/>
+          </a:fillRef>
+          <a:effectRef idx="0">
+            <a:schemeClr val="dk1"/>
+          </a:effectRef>
+          <a:fontRef idx="minor">
+            <a:schemeClr val="dk1"/>
+          </a:fontRef>
+        </p:style>
+        <p:txBody>
+          <a:bodyPr rtlCol="0" anchor="ctr"/>
+          <a:lstStyle/>
+          <a:p>
+            <a:pPr algn="ctr"/>
+            <a:r>
+              <a:rPr lang="en-US" altLang="zh-CN" sz="1100" dirty="0" smtClean="0"/>
+              <a:t>Timeline</a:t>
+            </a:r>
+            <a:endParaRPr lang="zh-CN" altLang="en-US" sz="1100" dirty="0"/>
+          </a:p>
+        </p:txBody>
+      </p:sp>
+      <p:sp>
+        <p:nvSpPr>
+          <p:cNvPr id="83" name="矩形 82"/>
+          <p:cNvSpPr/>
+          <p:nvPr/>
+        </p:nvSpPr>
+        <p:spPr>
+          <a:xfrm>
+            <a:off x="6929454" y="4357694"/>
+            <a:ext cx="1000132" cy="214314"/>
+          </a:xfrm>
+          <a:prstGeom prst="rect">
+            <a:avLst/>
+          </a:prstGeom>
+        </p:spPr>
+        <p:style>
+          <a:lnRef idx="2">
+            <a:schemeClr val="dk1"/>
+          </a:lnRef>
+          <a:fillRef idx="1">
+            <a:schemeClr val="lt1"/>
+          </a:fillRef>
+          <a:effectRef idx="0">
+            <a:schemeClr val="dk1"/>
+          </a:effectRef>
+          <a:fontRef idx="minor">
+            <a:schemeClr val="dk1"/>
+          </a:fontRef>
+        </p:style>
+        <p:txBody>
+          <a:bodyPr rtlCol="0" anchor="ctr"/>
+          <a:lstStyle/>
+          <a:p>
+            <a:pPr algn="ctr"/>
+            <a:r>
+              <a:rPr lang="en-US" altLang="zh-CN" sz="1100" dirty="0" smtClean="0"/>
+              <a:t>Organization</a:t>
+            </a:r>
+            <a:endParaRPr lang="zh-CN" altLang="en-US" sz="1100" dirty="0"/>
+          </a:p>
+        </p:txBody>
+      </p:sp>
+      <p:sp>
+        <p:nvSpPr>
+          <p:cNvPr id="84" name="矩形 83"/>
+          <p:cNvSpPr/>
+          <p:nvPr/>
+        </p:nvSpPr>
+        <p:spPr>
+          <a:xfrm>
+            <a:off x="6929454" y="4643446"/>
+            <a:ext cx="1000132" cy="214314"/>
+          </a:xfrm>
+          <a:prstGeom prst="rect">
+            <a:avLst/>
+          </a:prstGeom>
+        </p:spPr>
+        <p:style>
+          <a:lnRef idx="2">
+            <a:schemeClr val="dk1"/>
+          </a:lnRef>
+          <a:fillRef idx="1">
+            <a:schemeClr val="lt1"/>
+          </a:fillRef>
+          <a:effectRef idx="0">
+            <a:schemeClr val="dk1"/>
+          </a:effectRef>
+          <a:fontRef idx="minor">
+            <a:schemeClr val="dk1"/>
+          </a:fontRef>
+        </p:style>
+        <p:txBody>
+          <a:bodyPr rtlCol="0" anchor="ctr"/>
+          <a:lstStyle/>
+          <a:p>
+            <a:pPr algn="ctr"/>
+            <a:r>
+              <a:rPr lang="en-US" altLang="zh-CN" sz="1100" dirty="0" err="1" smtClean="0"/>
+              <a:t>MapFlag</a:t>
+            </a:r>
+            <a:endParaRPr lang="zh-CN" altLang="en-US" sz="1100" dirty="0"/>
+          </a:p>
+        </p:txBody>
+      </p:sp>
+      <p:sp>
+        <p:nvSpPr>
+          <p:cNvPr id="86" name="圆角矩形 85"/>
+          <p:cNvSpPr/>
+          <p:nvPr/>
+        </p:nvSpPr>
+        <p:spPr>
+          <a:xfrm>
+            <a:off x="4143372" y="5715016"/>
+            <a:ext cx="1357322" cy="285752"/>
+          </a:xfrm>
+          <a:prstGeom prst="roundRect">
+            <a:avLst/>
+          </a:prstGeom>
+        </p:spPr>
+        <p:style>
+          <a:lnRef idx="2">
+            <a:schemeClr val="accent1">
+              <a:shade val="50000"/>
+            </a:schemeClr>
+          </a:lnRef>
+          <a:fillRef idx="1">
+            <a:schemeClr val="accent1"/>
+          </a:fillRef>
+          <a:effectRef idx="0">
+            <a:schemeClr val="accent1"/>
+          </a:effectRef>
+          <a:fontRef idx="minor">
+            <a:schemeClr val="lt1"/>
+          </a:fontRef>
+        </p:style>
+        <p:txBody>
+          <a:bodyPr rtlCol="0" anchor="ctr"/>
+          <a:lstStyle/>
+          <a:p>
+            <a:pPr algn="ctr"/>
+            <a:r>
+              <a:rPr lang="en-US" altLang="zh-CN" dirty="0" smtClean="0"/>
+              <a:t>Glossary</a:t>
+            </a:r>
+            <a:endParaRPr lang="zh-CN" altLang="en-US" dirty="0"/>
+          </a:p>
+        </p:txBody>
+      </p:sp>
+    </p:spTree>
+  </p:cSld>
+  <p:clrMapOvr>
+    <a:masterClrMapping/>
+  </p:clrMapOvr>
+</p:sld>
+</file>
+
+<file path=ppt/slides/slide2.xml><?xml version="1.0" encoding="utf-8"?>
+<p:sld xmlns:a="http://schemas.openxmlformats.org/drawingml/2006/main" xmlns:r="http://schemas.openxmlformats.org/officeDocument/2006/relationships" xmlns:p="http://schemas.openxmlformats.org/presentationml/2006/main">
+  <p:cSld>
+    <p:spTree>
+      <p:nvGrpSpPr>
+        <p:cNvPr id="1" name=""/>
+        <p:cNvGrpSpPr/>
+        <p:nvPr/>
+      </p:nvGrpSpPr>
+      <p:grpSpPr>
+        <a:xfrm>
+          <a:off x="0" y="0"/>
+          <a:ext cx="0" cy="0"/>
+          <a:chOff x="0" y="0"/>
+          <a:chExt cx="0" cy="0"/>
+        </a:xfrm>
+      </p:grpSpPr>
+      <p:sp>
+        <p:nvSpPr>
+          <p:cNvPr id="17" name="圆角矩形 16"/>
+          <p:cNvSpPr/>
+          <p:nvPr/>
+        </p:nvSpPr>
+        <p:spPr>
+          <a:xfrm>
+            <a:off x="2285984" y="1714488"/>
+            <a:ext cx="6572296" cy="2857520"/>
+          </a:xfrm>
+          <a:prstGeom prst="roundRect">
+            <a:avLst/>
+          </a:prstGeom>
+        </p:spPr>
+        <p:style>
+          <a:lnRef idx="1">
+            <a:schemeClr val="accent5"/>
+          </a:lnRef>
+          <a:fillRef idx="2">
+            <a:schemeClr val="accent5"/>
+          </a:fillRef>
+          <a:effectRef idx="1">
+            <a:schemeClr val="accent5"/>
+          </a:effectRef>
+          <a:fontRef idx="minor">
+            <a:schemeClr val="dk1"/>
+          </a:fontRef>
+        </p:style>
+        <p:txBody>
+          <a:bodyPr rtlCol="0" anchor="ctr"/>
+          <a:lstStyle/>
+          <a:p>
+            <a:pPr algn="ctr"/>
+            <a:endParaRPr lang="zh-CN" altLang="en-US"/>
+          </a:p>
+        </p:txBody>
+      </p:sp>
+      <p:sp>
+        <p:nvSpPr>
+          <p:cNvPr id="2" name="椭圆 1"/>
+          <p:cNvSpPr/>
+          <p:nvPr/>
+        </p:nvSpPr>
+        <p:spPr>
+          <a:xfrm>
+            <a:off x="3929058" y="1857364"/>
+            <a:ext cx="2500330" cy="2428892"/>
+          </a:xfrm>
+          <a:prstGeom prst="ellipse">
+            <a:avLst/>
+          </a:prstGeom>
+        </p:spPr>
+        <p:style>
+          <a:lnRef idx="2">
+            <a:schemeClr val="accent1">
+              <a:shade val="50000"/>
+            </a:schemeClr>
+          </a:lnRef>
+          <a:fillRef idx="1">
+            <a:schemeClr val="accent1"/>
+          </a:fillRef>
+          <a:effectRef idx="0">
+            <a:schemeClr val="accent1"/>
+          </a:effectRef>
+          <a:fontRef idx="minor">
+            <a:schemeClr val="lt1"/>
+          </a:fontRef>
+        </p:style>
+        <p:txBody>
+          <a:bodyPr rtlCol="0" anchor="ctr"/>
+          <a:lstStyle/>
+          <a:p>
+            <a:pPr algn="ctr"/>
+            <a:r>
+              <a:rPr lang="zh-CN" altLang="en-US" dirty="0" smtClean="0"/>
+              <a:t>课件文件夹</a:t>
+            </a:r>
+            <a:endParaRPr lang="zh-CN" altLang="en-US" dirty="0"/>
+          </a:p>
+        </p:txBody>
+      </p:sp>
+      <p:sp>
+        <p:nvSpPr>
+          <p:cNvPr id="3" name="矩形 2"/>
+          <p:cNvSpPr/>
+          <p:nvPr/>
+        </p:nvSpPr>
+        <p:spPr>
+          <a:xfrm>
+            <a:off x="2500298" y="2857496"/>
+            <a:ext cx="1285884" cy="428628"/>
+          </a:xfrm>
+          <a:prstGeom prst="rect">
+            <a:avLst/>
+          </a:prstGeom>
+        </p:spPr>
+        <p:style>
+          <a:lnRef idx="2">
+            <a:schemeClr val="accent1">
+              <a:shade val="50000"/>
+            </a:schemeClr>
+          </a:lnRef>
+          <a:fillRef idx="1">
+            <a:schemeClr val="accent1"/>
+          </a:fillRef>
+          <a:effectRef idx="0">
+            <a:schemeClr val="accent1"/>
+          </a:effectRef>
+          <a:fontRef idx="minor">
+            <a:schemeClr val="lt1"/>
+          </a:fontRef>
+        </p:style>
+        <p:txBody>
+          <a:bodyPr rtlCol="0" anchor="ctr"/>
+          <a:lstStyle/>
+          <a:p>
+            <a:pPr algn="ctr"/>
+            <a:r>
+              <a:rPr lang="en-US" altLang="zh-CN" dirty="0" smtClean="0"/>
+              <a:t>Course.xml</a:t>
+            </a:r>
+            <a:endParaRPr lang="zh-CN" altLang="en-US" dirty="0"/>
+          </a:p>
+        </p:txBody>
+      </p:sp>
+      <p:sp>
+        <p:nvSpPr>
+          <p:cNvPr id="4" name="矩形 3"/>
+          <p:cNvSpPr/>
+          <p:nvPr/>
+        </p:nvSpPr>
+        <p:spPr>
+          <a:xfrm>
+            <a:off x="6500826" y="2857496"/>
+            <a:ext cx="2071702" cy="428628"/>
+          </a:xfrm>
+          <a:prstGeom prst="rect">
+            <a:avLst/>
+          </a:prstGeom>
+        </p:spPr>
+        <p:style>
+          <a:lnRef idx="2">
+            <a:schemeClr val="accent1">
+              <a:shade val="50000"/>
+            </a:schemeClr>
+          </a:lnRef>
+          <a:fillRef idx="1">
+            <a:schemeClr val="accent1"/>
+          </a:fillRef>
+          <a:effectRef idx="0">
+            <a:schemeClr val="accent1"/>
+          </a:effectRef>
+          <a:fontRef idx="minor">
+            <a:schemeClr val="lt1"/>
+          </a:fontRef>
+        </p:style>
+        <p:txBody>
+          <a:bodyPr rtlCol="0" anchor="ctr"/>
+          <a:lstStyle/>
+          <a:p>
+            <a:pPr algn="ctr"/>
+            <a:r>
+              <a:rPr lang="en-US" altLang="zh-CN" dirty="0" smtClean="0"/>
+              <a:t>imsmanifest.xml</a:t>
+            </a:r>
+            <a:endParaRPr lang="zh-CN" altLang="en-US" dirty="0"/>
+          </a:p>
+        </p:txBody>
+      </p:sp>
+      <p:sp>
+        <p:nvSpPr>
+          <p:cNvPr id="5" name="圆角矩形 4"/>
+          <p:cNvSpPr/>
+          <p:nvPr/>
+        </p:nvSpPr>
+        <p:spPr>
+          <a:xfrm>
+            <a:off x="1071538" y="1714488"/>
+            <a:ext cx="1071570" cy="571504"/>
+          </a:xfrm>
+          <a:prstGeom prst="roundRect">
+            <a:avLst/>
+          </a:prstGeom>
+        </p:spPr>
+        <p:style>
+          <a:lnRef idx="2">
+            <a:schemeClr val="accent1">
+              <a:shade val="50000"/>
+            </a:schemeClr>
+          </a:lnRef>
+          <a:fillRef idx="1">
+            <a:schemeClr val="accent1"/>
+          </a:fillRef>
+          <a:effectRef idx="0">
+            <a:schemeClr val="accent1"/>
+          </a:effectRef>
+          <a:fontRef idx="minor">
+            <a:schemeClr val="lt1"/>
+          </a:fontRef>
+        </p:style>
+        <p:txBody>
+          <a:bodyPr rtlCol="0" anchor="ctr"/>
+          <a:lstStyle/>
+          <a:p>
+            <a:pPr algn="ctr"/>
+            <a:r>
+              <a:rPr lang="zh-CN" altLang="en-US" sz="1200" dirty="0" smtClean="0"/>
+              <a:t>浏览器播放</a:t>
+            </a:r>
+            <a:endParaRPr lang="en-US" altLang="zh-CN" sz="1200" dirty="0" smtClean="0"/>
+          </a:p>
+          <a:p>
+            <a:pPr algn="ctr"/>
+            <a:r>
+              <a:rPr lang="zh-CN" altLang="en-US" sz="1200" dirty="0" smtClean="0"/>
+              <a:t>（</a:t>
+            </a:r>
+            <a:r>
+              <a:rPr lang="en-US" altLang="zh-CN" sz="1200" dirty="0" smtClean="0"/>
+              <a:t>Flash</a:t>
+            </a:r>
+            <a:r>
+              <a:rPr lang="zh-CN" altLang="en-US" sz="1200" dirty="0" smtClean="0"/>
+              <a:t> </a:t>
+            </a:r>
+            <a:r>
+              <a:rPr lang="en-US" altLang="zh-CN" sz="1200" dirty="0" err="1" smtClean="0"/>
+              <a:t>Plugin</a:t>
+            </a:r>
+            <a:r>
+              <a:rPr lang="zh-CN" altLang="en-US" sz="1200" dirty="0" smtClean="0"/>
+              <a:t>）</a:t>
+            </a:r>
+            <a:endParaRPr lang="zh-CN" altLang="en-US" sz="1200" dirty="0"/>
+          </a:p>
+        </p:txBody>
+      </p:sp>
+      <p:sp>
+        <p:nvSpPr>
+          <p:cNvPr id="6" name="圆角矩形 5"/>
+          <p:cNvSpPr/>
+          <p:nvPr/>
+        </p:nvSpPr>
+        <p:spPr>
+          <a:xfrm>
+            <a:off x="1071538" y="4000504"/>
+            <a:ext cx="1071570" cy="571504"/>
+          </a:xfrm>
+          <a:prstGeom prst="roundRect">
+            <a:avLst/>
+          </a:prstGeom>
+        </p:spPr>
+        <p:style>
+          <a:lnRef idx="2">
+            <a:schemeClr val="accent1">
+              <a:shade val="50000"/>
+            </a:schemeClr>
+          </a:lnRef>
+          <a:fillRef idx="1">
+            <a:schemeClr val="accent1"/>
+          </a:fillRef>
+          <a:effectRef idx="0">
+            <a:schemeClr val="accent1"/>
+          </a:effectRef>
+          <a:fontRef idx="minor">
+            <a:schemeClr val="lt1"/>
+          </a:fontRef>
+        </p:style>
+        <p:txBody>
+          <a:bodyPr rtlCol="0" anchor="ctr"/>
+          <a:lstStyle/>
+          <a:p>
+            <a:pPr algn="ctr"/>
+            <a:r>
+              <a:rPr lang="zh-CN" altLang="en-US" sz="1200" dirty="0" smtClean="0"/>
+              <a:t>本地播放</a:t>
+            </a:r>
+            <a:endParaRPr lang="en-US" altLang="zh-CN" sz="1200" dirty="0" smtClean="0"/>
+          </a:p>
+          <a:p>
+            <a:pPr algn="ctr"/>
+            <a:r>
+              <a:rPr lang="zh-CN" altLang="en-US" sz="1200" dirty="0" smtClean="0"/>
+              <a:t>（</a:t>
+            </a:r>
+            <a:r>
+              <a:rPr lang="en-US" altLang="zh-CN" sz="1200" dirty="0" smtClean="0"/>
+              <a:t>AIR</a:t>
+            </a:r>
+            <a:r>
+              <a:rPr lang="zh-CN" altLang="en-US" sz="1200" dirty="0" smtClean="0"/>
+              <a:t>）</a:t>
+            </a:r>
+            <a:endParaRPr lang="zh-CN" altLang="en-US" sz="1200" dirty="0"/>
+          </a:p>
+        </p:txBody>
+      </p:sp>
+      <p:sp>
+        <p:nvSpPr>
+          <p:cNvPr id="7" name="矩形 6"/>
+          <p:cNvSpPr/>
+          <p:nvPr/>
+        </p:nvSpPr>
+        <p:spPr>
+          <a:xfrm>
+            <a:off x="214282" y="1142984"/>
+            <a:ext cx="714380" cy="357190"/>
+          </a:xfrm>
+          <a:prstGeom prst="rect">
+            <a:avLst/>
+          </a:prstGeom>
+        </p:spPr>
+        <p:style>
+          <a:lnRef idx="2">
+            <a:schemeClr val="accent1">
+              <a:shade val="50000"/>
+            </a:schemeClr>
+          </a:lnRef>
+          <a:fillRef idx="1">
+            <a:schemeClr val="accent1"/>
+          </a:fillRef>
+          <a:effectRef idx="0">
+            <a:schemeClr val="accent1"/>
+          </a:effectRef>
+          <a:fontRef idx="minor">
+            <a:schemeClr val="lt1"/>
+          </a:fontRef>
+        </p:style>
+        <p:txBody>
+          <a:bodyPr rtlCol="0" anchor="ctr"/>
+          <a:lstStyle/>
+          <a:p>
+            <a:pPr algn="ctr"/>
+            <a:r>
+              <a:rPr lang="en-US" altLang="zh-CN" dirty="0" smtClean="0"/>
+              <a:t>Flash</a:t>
+            </a:r>
+            <a:endParaRPr lang="zh-CN" altLang="en-US" dirty="0"/>
+          </a:p>
+        </p:txBody>
+      </p:sp>
+      <p:sp>
+        <p:nvSpPr>
+          <p:cNvPr id="8" name="矩形 7"/>
+          <p:cNvSpPr/>
+          <p:nvPr/>
+        </p:nvSpPr>
+        <p:spPr>
+          <a:xfrm>
+            <a:off x="214282" y="3000372"/>
+            <a:ext cx="714380" cy="357190"/>
+          </a:xfrm>
+          <a:prstGeom prst="rect">
+            <a:avLst/>
+          </a:prstGeom>
+        </p:spPr>
+        <p:style>
+          <a:lnRef idx="2">
+            <a:schemeClr val="accent1">
+              <a:shade val="50000"/>
+            </a:schemeClr>
+          </a:lnRef>
+          <a:fillRef idx="1">
+            <a:schemeClr val="accent1"/>
+          </a:fillRef>
+          <a:effectRef idx="0">
+            <a:schemeClr val="accent1"/>
+          </a:effectRef>
+          <a:fontRef idx="minor">
+            <a:schemeClr val="lt1"/>
+          </a:fontRef>
+        </p:style>
+        <p:txBody>
+          <a:bodyPr rtlCol="0" anchor="ctr"/>
+          <a:lstStyle/>
+          <a:p>
+            <a:pPr algn="ctr"/>
+            <a:r>
+              <a:rPr lang="en-US" altLang="zh-CN" dirty="0" smtClean="0"/>
+              <a:t>Flex</a:t>
+            </a:r>
+            <a:endParaRPr lang="zh-CN" altLang="en-US" dirty="0"/>
+          </a:p>
+        </p:txBody>
+      </p:sp>
+      <p:cxnSp>
+        <p:nvCxnSpPr>
+          <p:cNvPr id="10" name="形状 9"/>
+          <p:cNvCxnSpPr>
+            <a:stCxn id="7" idx="3"/>
+            <a:endCxn id="5" idx="0"/>
+          </p:cNvCxnSpPr>
+          <p:nvPr/>
+        </p:nvCxnSpPr>
+        <p:spPr>
+          <a:xfrm>
+            <a:off x="928662" y="1321579"/>
+            <a:ext cx="678661" cy="392909"/>
+          </a:xfrm>
+          <a:prstGeom prst="bentConnector2">
+            <a:avLst/>
+          </a:prstGeom>
+          <a:ln>
+            <a:tailEnd type="arrow"/>
+          </a:ln>
+        </p:spPr>
+        <p:style>
+          <a:lnRef idx="1">
+            <a:schemeClr val="accent1"/>
+          </a:lnRef>
+          <a:fillRef idx="0">
+            <a:schemeClr val="accent1"/>
+          </a:fillRef>
+          <a:effectRef idx="0">
+            <a:schemeClr val="accent1"/>
+          </a:effectRef>
+          <a:fontRef idx="minor">
+            <a:schemeClr val="tx1"/>
+          </a:fontRef>
+        </p:style>
+      </p:cxnSp>
+      <p:cxnSp>
+        <p:nvCxnSpPr>
+          <p:cNvPr id="12" name="形状 11"/>
+          <p:cNvCxnSpPr>
+            <a:stCxn id="8" idx="0"/>
+            <a:endCxn id="5" idx="1"/>
+          </p:cNvCxnSpPr>
+          <p:nvPr/>
+        </p:nvCxnSpPr>
+        <p:spPr>
+          <a:xfrm rot="5400000" flipH="1" flipV="1">
+            <a:off x="321439" y="2250273"/>
+            <a:ext cx="1000132" cy="500066"/>
+          </a:xfrm>
+          <a:prstGeom prst="bentConnector2">
+            <a:avLst/>
+          </a:prstGeom>
+          <a:ln>
+            <a:tailEnd type="arrow"/>
+          </a:ln>
+        </p:spPr>
+        <p:style>
+          <a:lnRef idx="1">
+            <a:schemeClr val="accent1"/>
+          </a:lnRef>
+          <a:fillRef idx="0">
+            <a:schemeClr val="accent1"/>
+          </a:fillRef>
+          <a:effectRef idx="0">
+            <a:schemeClr val="accent1"/>
+          </a:effectRef>
+          <a:fontRef idx="minor">
+            <a:schemeClr val="tx1"/>
+          </a:fontRef>
+        </p:style>
+      </p:cxnSp>
+      <p:cxnSp>
+        <p:nvCxnSpPr>
+          <p:cNvPr id="14" name="形状 13"/>
+          <p:cNvCxnSpPr>
+            <a:stCxn id="8" idx="2"/>
+            <a:endCxn id="6" idx="1"/>
+          </p:cNvCxnSpPr>
+          <p:nvPr/>
+        </p:nvCxnSpPr>
+        <p:spPr>
+          <a:xfrm rot="16200000" flipH="1">
+            <a:off x="357158" y="3571876"/>
+            <a:ext cx="928694" cy="500066"/>
+          </a:xfrm>
+          <a:prstGeom prst="bentConnector2">
+            <a:avLst/>
+          </a:prstGeom>
+          <a:ln>
+            <a:tailEnd type="arrow"/>
+          </a:ln>
+        </p:spPr>
+        <p:style>
+          <a:lnRef idx="1">
+            <a:schemeClr val="accent1"/>
+          </a:lnRef>
+          <a:fillRef idx="0">
+            <a:schemeClr val="accent1"/>
+          </a:fillRef>
+          <a:effectRef idx="0">
+            <a:schemeClr val="accent1"/>
+          </a:effectRef>
+          <a:fontRef idx="minor">
+            <a:schemeClr val="tx1"/>
+          </a:fontRef>
+        </p:style>
+      </p:cxnSp>
+      <p:sp>
+        <p:nvSpPr>
+          <p:cNvPr id="19" name="圆角矩形 18"/>
+          <p:cNvSpPr/>
+          <p:nvPr/>
+        </p:nvSpPr>
+        <p:spPr>
+          <a:xfrm>
+            <a:off x="7000892" y="5072074"/>
+            <a:ext cx="1071570" cy="571504"/>
+          </a:xfrm>
+          <a:prstGeom prst="roundRect">
+            <a:avLst/>
+          </a:prstGeom>
+        </p:spPr>
+        <p:style>
+          <a:lnRef idx="2">
+            <a:schemeClr val="accent1">
+              <a:shade val="50000"/>
+            </a:schemeClr>
+          </a:lnRef>
+          <a:fillRef idx="1">
+            <a:schemeClr val="accent1"/>
+          </a:fillRef>
+          <a:effectRef idx="0">
+            <a:schemeClr val="accent1"/>
+          </a:effectRef>
+          <a:fontRef idx="minor">
+            <a:schemeClr val="lt1"/>
+          </a:fontRef>
+        </p:style>
+        <p:txBody>
+          <a:bodyPr rtlCol="0" anchor="ctr"/>
+          <a:lstStyle/>
+          <a:p>
+            <a:pPr algn="ctr"/>
+            <a:r>
+              <a:rPr lang="en-US" altLang="zh-CN" sz="1200" dirty="0" smtClean="0"/>
+              <a:t>LMS</a:t>
+            </a:r>
+            <a:r>
+              <a:rPr lang="zh-CN" altLang="en-US" sz="1200" dirty="0" smtClean="0"/>
+              <a:t> </a:t>
+            </a:r>
+            <a:r>
+              <a:rPr lang="en-US" altLang="zh-CN" sz="1200" dirty="0" smtClean="0"/>
+              <a:t>SCORM</a:t>
+            </a:r>
+          </a:p>
+          <a:p>
+            <a:pPr algn="ctr"/>
+            <a:r>
+              <a:rPr lang="en-US" altLang="zh-CN" sz="1200" dirty="0" smtClean="0"/>
+              <a:t>Player</a:t>
+            </a:r>
+            <a:endParaRPr lang="zh-CN" altLang="en-US" sz="1200" dirty="0"/>
+          </a:p>
+        </p:txBody>
+      </p:sp>
+      <p:cxnSp>
+        <p:nvCxnSpPr>
+          <p:cNvPr id="21" name="直接箭头连接符 20"/>
+          <p:cNvCxnSpPr>
+            <a:stCxn id="4" idx="2"/>
+            <a:endCxn id="19" idx="0"/>
+          </p:cNvCxnSpPr>
+          <p:nvPr/>
+        </p:nvCxnSpPr>
+        <p:spPr>
+          <a:xfrm rot="5400000">
+            <a:off x="6643702" y="4179099"/>
+            <a:ext cx="1785950" cy="1588"/>
+          </a:xfrm>
+          <a:prstGeom prst="straightConnector1">
+            <a:avLst/>
+          </a:prstGeom>
+          <a:ln>
+            <a:tailEnd type="arrow"/>
+          </a:ln>
+        </p:spPr>
+        <p:style>
+          <a:lnRef idx="1">
+            <a:schemeClr val="accent1"/>
+          </a:lnRef>
+          <a:fillRef idx="0">
+            <a:schemeClr val="accent1"/>
+          </a:fillRef>
+          <a:effectRef idx="0">
+            <a:schemeClr val="accent1"/>
+          </a:effectRef>
+          <a:fontRef idx="minor">
+            <a:schemeClr val="tx1"/>
+          </a:fontRef>
+        </p:style>
+      </p:cxnSp>
     </p:spTree>
   </p:cSld>
   <p:clrMapOvr>
